--- a/Lecture/Modeling 5/Modeling_5_Lecture.pptx
+++ b/Lecture/Modeling 5/Modeling_5_Lecture.pptx
@@ -312,7 +312,7 @@
               <a:pPr>
                 <a:defRPr/>
               </a:pPr>
-              <a:t>11/11/2018</a:t>
+              <a:t>3/23/2019</a:t>
             </a:fld>
             <a:endParaRPr lang="en-US" dirty="0"/>
           </a:p>
@@ -524,7 +524,7 @@
               <a:pPr>
                 <a:defRPr/>
               </a:pPr>
-              <a:t>11/11/2018</a:t>
+              <a:t>3/23/2019</a:t>
             </a:fld>
             <a:endParaRPr lang="en-US" dirty="0"/>
           </a:p>
@@ -1043,7 +1043,7 @@
               <a:pPr>
                 <a:defRPr/>
               </a:pPr>
-              <a:t>11/11/2018</a:t>
+              <a:t>3/23/2019</a:t>
             </a:fld>
             <a:endParaRPr lang="en-US" dirty="0"/>
           </a:p>
@@ -1233,7 +1233,7 @@
               <a:pPr>
                 <a:defRPr/>
               </a:pPr>
-              <a:t>11/11/2018</a:t>
+              <a:t>3/23/2019</a:t>
             </a:fld>
             <a:endParaRPr lang="en-US" dirty="0"/>
           </a:p>
@@ -1433,7 +1433,7 @@
               <a:pPr>
                 <a:defRPr/>
               </a:pPr>
-              <a:t>11/11/2018</a:t>
+              <a:t>3/23/2019</a:t>
             </a:fld>
             <a:endParaRPr lang="en-US" dirty="0"/>
           </a:p>
@@ -1701,7 +1701,7 @@
               <a:pPr>
                 <a:defRPr/>
               </a:pPr>
-              <a:t>11/11/2018</a:t>
+              <a:t>3/23/2019</a:t>
             </a:fld>
             <a:endParaRPr lang="en-US" dirty="0">
               <a:solidFill>
@@ -1915,7 +1915,7 @@
               <a:pPr>
                 <a:defRPr/>
               </a:pPr>
-              <a:t>11/11/2018</a:t>
+              <a:t>3/23/2019</a:t>
             </a:fld>
             <a:endParaRPr lang="en-US" dirty="0">
               <a:solidFill>
@@ -2206,7 +2206,7 @@
               <a:pPr>
                 <a:defRPr/>
               </a:pPr>
-              <a:t>11/11/2018</a:t>
+              <a:t>3/23/2019</a:t>
             </a:fld>
             <a:endParaRPr lang="en-US" dirty="0">
               <a:solidFill>
@@ -2537,7 +2537,7 @@
               <a:pPr>
                 <a:defRPr/>
               </a:pPr>
-              <a:t>11/11/2018</a:t>
+              <a:t>3/23/2019</a:t>
             </a:fld>
             <a:endParaRPr lang="en-US" dirty="0">
               <a:solidFill>
@@ -3002,7 +3002,7 @@
               <a:pPr>
                 <a:defRPr/>
               </a:pPr>
-              <a:t>11/11/2018</a:t>
+              <a:t>3/23/2019</a:t>
             </a:fld>
             <a:endParaRPr lang="en-US" dirty="0">
               <a:solidFill>
@@ -3165,7 +3165,7 @@
               <a:pPr>
                 <a:defRPr/>
               </a:pPr>
-              <a:t>11/11/2018</a:t>
+              <a:t>3/23/2019</a:t>
             </a:fld>
             <a:endParaRPr lang="en-US" dirty="0">
               <a:solidFill>
@@ -3306,7 +3306,7 @@
               <a:pPr>
                 <a:defRPr/>
               </a:pPr>
-              <a:t>11/11/2018</a:t>
+              <a:t>3/23/2019</a:t>
             </a:fld>
             <a:endParaRPr lang="en-US" dirty="0">
               <a:solidFill>
@@ -3627,7 +3627,7 @@
               <a:pPr>
                 <a:defRPr/>
               </a:pPr>
-              <a:t>11/11/2018</a:t>
+              <a:t>3/23/2019</a:t>
             </a:fld>
             <a:endParaRPr lang="en-US" dirty="0">
               <a:solidFill>
@@ -3835,7 +3835,7 @@
               <a:pPr>
                 <a:defRPr/>
               </a:pPr>
-              <a:t>11/11/2018</a:t>
+              <a:t>3/23/2019</a:t>
             </a:fld>
             <a:endParaRPr lang="en-US" dirty="0"/>
           </a:p>
@@ -4118,7 +4118,7 @@
               <a:pPr>
                 <a:defRPr/>
               </a:pPr>
-              <a:t>11/11/2018</a:t>
+              <a:t>3/23/2019</a:t>
             </a:fld>
             <a:endParaRPr lang="en-US" dirty="0">
               <a:solidFill>
@@ -4332,7 +4332,7 @@
               <a:pPr>
                 <a:defRPr/>
               </a:pPr>
-              <a:t>11/11/2018</a:t>
+              <a:t>3/23/2019</a:t>
             </a:fld>
             <a:endParaRPr lang="en-US" dirty="0">
               <a:solidFill>
@@ -4556,7 +4556,7 @@
               <a:pPr>
                 <a:defRPr/>
               </a:pPr>
-              <a:t>11/11/2018</a:t>
+              <a:t>3/23/2019</a:t>
             </a:fld>
             <a:endParaRPr lang="en-US" dirty="0">
               <a:solidFill>
@@ -4766,7 +4766,7 @@
               <a:pPr>
                 <a:defRPr/>
               </a:pPr>
-              <a:t>11/11/2018</a:t>
+              <a:t>3/23/2019</a:t>
             </a:fld>
             <a:endParaRPr lang="en-US" dirty="0">
               <a:solidFill>
@@ -5043,7 +5043,7 @@
               <a:pPr>
                 <a:defRPr/>
               </a:pPr>
-              <a:t>11/11/2018</a:t>
+              <a:t>3/23/2019</a:t>
             </a:fld>
             <a:endParaRPr lang="en-US" dirty="0"/>
           </a:p>
@@ -5350,7 +5350,7 @@
               <a:pPr>
                 <a:defRPr/>
               </a:pPr>
-              <a:t>11/11/2018</a:t>
+              <a:t>3/23/2019</a:t>
             </a:fld>
             <a:endParaRPr lang="en-US" dirty="0"/>
           </a:p>
@@ -5791,7 +5791,7 @@
               <a:pPr>
                 <a:defRPr/>
               </a:pPr>
-              <a:t>11/11/2018</a:t>
+              <a:t>3/23/2019</a:t>
             </a:fld>
             <a:endParaRPr lang="en-US" dirty="0"/>
           </a:p>
@@ -5930,7 +5930,7 @@
               <a:pPr>
                 <a:defRPr/>
               </a:pPr>
-              <a:t>11/11/2018</a:t>
+              <a:t>3/23/2019</a:t>
             </a:fld>
             <a:endParaRPr lang="en-US" dirty="0"/>
           </a:p>
@@ -6047,7 +6047,7 @@
               <a:pPr>
                 <a:defRPr/>
               </a:pPr>
-              <a:t>11/11/2018</a:t>
+              <a:t>3/23/2019</a:t>
             </a:fld>
             <a:endParaRPr lang="en-US" dirty="0"/>
           </a:p>
@@ -6344,7 +6344,7 @@
               <a:pPr>
                 <a:defRPr/>
               </a:pPr>
-              <a:t>11/11/2018</a:t>
+              <a:t>3/23/2019</a:t>
             </a:fld>
             <a:endParaRPr lang="en-US" dirty="0"/>
           </a:p>
@@ -6621,7 +6621,7 @@
               <a:pPr>
                 <a:defRPr/>
               </a:pPr>
-              <a:t>11/11/2018</a:t>
+              <a:t>3/23/2019</a:t>
             </a:fld>
             <a:endParaRPr lang="en-US" dirty="0"/>
           </a:p>
@@ -6878,7 +6878,7 @@
               <a:pPr>
                 <a:defRPr/>
               </a:pPr>
-              <a:t>11/11/2018</a:t>
+              <a:t>3/23/2019</a:t>
             </a:fld>
             <a:endParaRPr lang="en-US" dirty="0"/>
           </a:p>
@@ -7588,7 +7588,7 @@
               <a:pPr>
                 <a:defRPr/>
               </a:pPr>
-              <a:t>11/11/2018</a:t>
+              <a:t>3/23/2019</a:t>
             </a:fld>
             <a:endParaRPr lang="en-US" dirty="0">
               <a:solidFill>
@@ -13395,8 +13395,8 @@
         </p:nvSpPr>
         <p:spPr>
           <a:xfrm>
-            <a:off x="7696200" y="980459"/>
-            <a:ext cx="914400" cy="461665"/>
+            <a:off x="7658888" y="1042014"/>
+            <a:ext cx="734596" cy="400110"/>
           </a:xfrm>
           <a:prstGeom prst="rect">
             <a:avLst/>
@@ -13412,7 +13412,7 @@
           <a:lstStyle/>
           <a:p>
             <a:r>
-              <a:rPr lang="en-US" dirty="0">
+              <a:rPr lang="en-US" sz="2000" dirty="0">
                 <a:solidFill>
                   <a:schemeClr val="bg1"/>
                 </a:solidFill>
@@ -13890,8 +13890,8 @@
         </p:nvSpPr>
         <p:spPr>
           <a:xfrm>
-            <a:off x="3734809" y="1058966"/>
-            <a:ext cx="5277429" cy="1569660"/>
+            <a:off x="4097268" y="1193976"/>
+            <a:ext cx="4385957" cy="1015663"/>
           </a:xfrm>
           <a:prstGeom prst="rect">
             <a:avLst/>
@@ -13928,17 +13928,17 @@
           <a:lstStyle/>
           <a:p>
             <a:r>
-              <a:rPr lang="en-US" i="1" dirty="0">
+              <a:rPr lang="en-US" sz="2000" i="1" dirty="0">
                 <a:solidFill>
                   <a:srgbClr val="404040"/>
                 </a:solidFill>
                 <a:latin typeface="Arial" panose="020B0604020202020204" pitchFamily="34" charset="0"/>
                 <a:cs typeface="Arial" panose="020B0604020202020204" pitchFamily="34" charset="0"/>
               </a:rPr>
-              <a:t>Can We Explain the Variation in Sepal Width Using Information Regarding the Sepal Length and the Species (</a:t>
-            </a:r>
-            <a:r>
-              <a:rPr lang="en-US" i="1" dirty="0" err="1">
+              <a:t>Can We Explain the Variation in Sepal Width Using Sepal Length and Species (</a:t>
+            </a:r>
+            <a:r>
+              <a:rPr lang="en-US" sz="2000" i="1" dirty="0" err="1">
                 <a:solidFill>
                   <a:srgbClr val="404040"/>
                 </a:solidFill>
@@ -13948,7 +13948,7 @@
               <a:t>setosa,versicolor,virginica</a:t>
             </a:r>
             <a:r>
-              <a:rPr lang="en-US" i="1" dirty="0">
+              <a:rPr lang="en-US" sz="2000" i="1" dirty="0">
                 <a:solidFill>
                   <a:srgbClr val="404040"/>
                 </a:solidFill>
@@ -18497,8 +18497,8 @@
         </p:nvSpPr>
         <p:spPr>
           <a:xfrm>
-            <a:off x="3657600" y="1420128"/>
-            <a:ext cx="5334000" cy="2308324"/>
+            <a:off x="3810000" y="1155174"/>
+            <a:ext cx="5080000" cy="3170099"/>
           </a:xfrm>
           <a:prstGeom prst="rect">
             <a:avLst/>
@@ -18535,14 +18535,159 @@
           <a:lstStyle/>
           <a:p>
             <a:r>
-              <a:rPr lang="en-US" i="1" dirty="0">
+              <a:rPr lang="en-US" sz="2000" i="1" dirty="0">
                 <a:solidFill>
                   <a:srgbClr val="404040"/>
                 </a:solidFill>
                 <a:latin typeface="Arial" panose="020B0604020202020204" pitchFamily="34" charset="0"/>
                 <a:cs typeface="Arial" panose="020B0604020202020204" pitchFamily="34" charset="0"/>
               </a:rPr>
-              <a:t>Can We Predict a Person’s Culinary Enjoyment if We Serve Them a Particular Item (Hot Dog or Ice Cream) and Supply Them with a Particular Condiment (Mustard or Chocolate Sauce) ?</a:t>
+              <a:t>Can We Predict a Person’s Culinary Enjoyment if… </a:t>
+            </a:r>
+          </a:p>
+          <a:p>
+            <a:endParaRPr lang="en-US" sz="2000" i="1" dirty="0">
+              <a:solidFill>
+                <a:srgbClr val="404040"/>
+              </a:solidFill>
+              <a:latin typeface="Arial" panose="020B0604020202020204" pitchFamily="34" charset="0"/>
+              <a:cs typeface="Arial" panose="020B0604020202020204" pitchFamily="34" charset="0"/>
+            </a:endParaRPr>
+          </a:p>
+          <a:p>
+            <a:r>
+              <a:rPr lang="en-US" sz="2000" i="1" dirty="0">
+                <a:solidFill>
+                  <a:srgbClr val="404040"/>
+                </a:solidFill>
+                <a:latin typeface="Arial" panose="020B0604020202020204" pitchFamily="34" charset="0"/>
+                <a:cs typeface="Arial" panose="020B0604020202020204" pitchFamily="34" charset="0"/>
+              </a:rPr>
+              <a:t>We Serve Them a Particular Item:</a:t>
+            </a:r>
+          </a:p>
+          <a:p>
+            <a:pPr marL="800100" lvl="1" indent="-342900">
+              <a:buFont typeface="Arial" panose="020B0604020202020204" pitchFamily="34" charset="0"/>
+              <a:buChar char="•"/>
+            </a:pPr>
+            <a:r>
+              <a:rPr lang="en-US" sz="2000" i="1" dirty="0">
+                <a:solidFill>
+                  <a:srgbClr val="404040"/>
+                </a:solidFill>
+                <a:latin typeface="Arial" panose="020B0604020202020204" pitchFamily="34" charset="0"/>
+                <a:cs typeface="Arial" panose="020B0604020202020204" pitchFamily="34" charset="0"/>
+              </a:rPr>
+              <a:t>Hot Dog</a:t>
+            </a:r>
+          </a:p>
+          <a:p>
+            <a:pPr marL="800100" lvl="1" indent="-342900">
+              <a:buFont typeface="Arial" panose="020B0604020202020204" pitchFamily="34" charset="0"/>
+              <a:buChar char="•"/>
+            </a:pPr>
+            <a:r>
+              <a:rPr lang="en-US" sz="2000" i="1" dirty="0">
+                <a:solidFill>
+                  <a:srgbClr val="404040"/>
+                </a:solidFill>
+                <a:latin typeface="Arial" panose="020B0604020202020204" pitchFamily="34" charset="0"/>
+                <a:cs typeface="Arial" panose="020B0604020202020204" pitchFamily="34" charset="0"/>
+              </a:rPr>
+              <a:t>Ice Cream </a:t>
+            </a:r>
+          </a:p>
+          <a:p>
+            <a:endParaRPr lang="en-US" sz="2000" i="1" dirty="0">
+              <a:solidFill>
+                <a:srgbClr val="404040"/>
+              </a:solidFill>
+              <a:latin typeface="Arial" panose="020B0604020202020204" pitchFamily="34" charset="0"/>
+              <a:cs typeface="Arial" panose="020B0604020202020204" pitchFamily="34" charset="0"/>
+            </a:endParaRPr>
+          </a:p>
+          <a:p>
+            <a:r>
+              <a:rPr lang="en-US" sz="2000" i="1" dirty="0">
+                <a:solidFill>
+                  <a:srgbClr val="404040"/>
+                </a:solidFill>
+                <a:latin typeface="Arial" panose="020B0604020202020204" pitchFamily="34" charset="0"/>
+                <a:cs typeface="Arial" panose="020B0604020202020204" pitchFamily="34" charset="0"/>
+              </a:rPr>
+              <a:t>With a Particular Condiment </a:t>
+            </a:r>
+          </a:p>
+          <a:p>
+            <a:pPr marL="800100" lvl="1" indent="-342900">
+              <a:buFont typeface="Arial" panose="020B0604020202020204" pitchFamily="34" charset="0"/>
+              <a:buChar char="•"/>
+            </a:pPr>
+            <a:r>
+              <a:rPr lang="en-US" sz="2000" i="1" dirty="0">
+                <a:solidFill>
+                  <a:srgbClr val="404040"/>
+                </a:solidFill>
+                <a:latin typeface="Arial" panose="020B0604020202020204" pitchFamily="34" charset="0"/>
+                <a:cs typeface="Arial" panose="020B0604020202020204" pitchFamily="34" charset="0"/>
+              </a:rPr>
+              <a:t>Mustard</a:t>
+            </a:r>
+          </a:p>
+          <a:p>
+            <a:pPr marL="800100" lvl="1" indent="-342900">
+              <a:buFont typeface="Arial" panose="020B0604020202020204" pitchFamily="34" charset="0"/>
+              <a:buChar char="•"/>
+            </a:pPr>
+            <a:r>
+              <a:rPr lang="en-US" sz="2000" i="1" dirty="0">
+                <a:solidFill>
+                  <a:srgbClr val="404040"/>
+                </a:solidFill>
+                <a:latin typeface="Arial" panose="020B0604020202020204" pitchFamily="34" charset="0"/>
+                <a:cs typeface="Arial" panose="020B0604020202020204" pitchFamily="34" charset="0"/>
+              </a:rPr>
+              <a:t>Chocolate Sauce</a:t>
+            </a:r>
+          </a:p>
+        </p:txBody>
+      </p:sp>
+      <p:sp>
+        <p:nvSpPr>
+          <p:cNvPr id="4" name="TextBox 3">
+            <a:extLst>
+              <a:ext uri="{FF2B5EF4-FFF2-40B4-BE49-F238E27FC236}">
+                <a16:creationId xmlns:a16="http://schemas.microsoft.com/office/drawing/2014/main" id="{F55D1F29-C895-4713-933C-970AA934EF16}"/>
+              </a:ext>
+            </a:extLst>
+          </p:cNvPr>
+          <p:cNvSpPr txBox="1"/>
+          <p:nvPr/>
+        </p:nvSpPr>
+        <p:spPr>
+          <a:xfrm>
+            <a:off x="7916717" y="2740223"/>
+            <a:ext cx="762000" cy="1938992"/>
+          </a:xfrm>
+          <a:prstGeom prst="rect">
+            <a:avLst/>
+          </a:prstGeom>
+          <a:noFill/>
+        </p:spPr>
+        <p:txBody>
+          <a:bodyPr wrap="square" rtlCol="0">
+            <a:spAutoFit/>
+          </a:bodyPr>
+          <a:lstStyle/>
+          <a:p>
+            <a:r>
+              <a:rPr lang="en-US" sz="12000" dirty="0">
+                <a:solidFill>
+                  <a:srgbClr val="404040"/>
+                </a:solidFill>
+              </a:rPr>
+              <a:t>?</a:t>
             </a:r>
           </a:p>
         </p:txBody>
@@ -18760,8 +18905,8 @@
           <a:noFill/>
         </p:spPr>
       </p:pic>
-      <mc:AlternateContent xmlns:mc="http://schemas.openxmlformats.org/markup-compatibility/2006" xmlns:a14="http://schemas.microsoft.com/office/drawing/2010/main">
-        <mc:Choice Requires="a14">
+      <mc:AlternateContent xmlns:mc="http://schemas.openxmlformats.org/markup-compatibility/2006">
+        <mc:Choice xmlns:a14="http://schemas.microsoft.com/office/drawing/2010/main" Requires="a14">
           <p:sp>
             <p:nvSpPr>
               <p:cNvPr id="6" name="TextBox 5">
@@ -18777,7 +18922,7 @@
             <p:spPr>
               <a:xfrm>
                 <a:off x="3810000" y="643467"/>
-                <a:ext cx="5334000" cy="5272854"/>
+                <a:ext cx="5334000" cy="4903522"/>
               </a:xfrm>
               <a:prstGeom prst="rect">
                 <a:avLst/>
@@ -19000,13 +19145,13 @@
                       <a:srgbClr val="404040"/>
                     </a:solidFill>
                   </a:rPr>
-                  <a:t>What Does -0.283 Represent?</a:t>
+                  <a:t>What About -0.283?</a:t>
                 </a:r>
               </a:p>
             </p:txBody>
           </p:sp>
         </mc:Choice>
-        <mc:Fallback xmlns="">
+        <mc:Fallback>
           <p:sp>
             <p:nvSpPr>
               <p:cNvPr id="6" name="TextBox 5">
@@ -19024,7 +19169,7 @@
             <p:spPr>
               <a:xfrm>
                 <a:off x="3810000" y="643467"/>
-                <a:ext cx="5334000" cy="5272854"/>
+                <a:ext cx="5334000" cy="4903522"/>
               </a:xfrm>
               <a:prstGeom prst="rect">
                 <a:avLst/>
@@ -19032,7 +19177,7 @@
               <a:blipFill>
                 <a:blip r:embed="rId4"/>
                 <a:stretch>
-                  <a:fillRect l="-1486" t="-809" r="-914" b="-1734"/>
+                  <a:fillRect l="-1486" t="-871" r="-914" b="-1990"/>
                 </a:stretch>
               </a:blipFill>
             </p:spPr>
@@ -19619,8 +19764,8 @@
           <a:noFill/>
         </p:spPr>
       </p:pic>
-      <mc:AlternateContent xmlns:mc="http://schemas.openxmlformats.org/markup-compatibility/2006" xmlns:a14="http://schemas.microsoft.com/office/drawing/2010/main">
-        <mc:Choice Requires="a14">
+      <mc:AlternateContent xmlns:mc="http://schemas.openxmlformats.org/markup-compatibility/2006">
+        <mc:Choice xmlns:a14="http://schemas.microsoft.com/office/drawing/2010/main" Requires="a14">
           <p:sp>
             <p:nvSpPr>
               <p:cNvPr id="6" name="TextBox 5">
@@ -19636,7 +19781,7 @@
             <p:spPr>
               <a:xfrm>
                 <a:off x="3810000" y="643467"/>
-                <a:ext cx="5334000" cy="6116418"/>
+                <a:ext cx="5334000" cy="5747086"/>
               </a:xfrm>
               <a:prstGeom prst="rect">
                 <a:avLst/>
@@ -20160,13 +20305,13 @@
                       <a:srgbClr val="404040"/>
                     </a:solidFill>
                   </a:rPr>
-                  <a:t>P-value = 0.934 for the Parameter Estimated by 0.283 (Not Significantly Different       from 0)</a:t>
+                  <a:t>P-value = 0.934 for the Parameter Estimated by 0.283 (Not Statistically Significant)</a:t>
                 </a:r>
               </a:p>
             </p:txBody>
           </p:sp>
         </mc:Choice>
-        <mc:Fallback xmlns="">
+        <mc:Fallback>
           <p:sp>
             <p:nvSpPr>
               <p:cNvPr id="6" name="TextBox 5">
@@ -20184,7 +20329,7 @@
             <p:spPr>
               <a:xfrm>
                 <a:off x="3810000" y="643467"/>
-                <a:ext cx="5334000" cy="6116418"/>
+                <a:ext cx="5334000" cy="5747086"/>
               </a:xfrm>
               <a:prstGeom prst="rect">
                 <a:avLst/>
@@ -20192,7 +20337,7 @@
               <a:blipFill>
                 <a:blip r:embed="rId4"/>
                 <a:stretch>
-                  <a:fillRect l="-1486" t="-698" b="-1396"/>
+                  <a:fillRect l="-1486" t="-743" b="-1592"/>
                 </a:stretch>
               </a:blipFill>
             </p:spPr>
